--- a/flag-creator.pptx
+++ b/flag-creator.pptx
@@ -6,6 +6,13 @@
   </p:sldMasterIdLst>
   <p:sldIdLst>
     <p:sldId id="257" r:id="rId2"/>
+    <p:sldId id="258" r:id="rId3"/>
+    <p:sldId id="259" r:id="rId4"/>
+    <p:sldId id="260" r:id="rId5"/>
+    <p:sldId id="261" r:id="rId6"/>
+    <p:sldId id="262" r:id="rId7"/>
+    <p:sldId id="263" r:id="rId8"/>
+    <p:sldId id="264" r:id="rId9"/>
   </p:sldIdLst>
   <p:sldSz cx="12192000" cy="6858000"/>
   <p:notesSz cx="6858000" cy="9144000"/>
@@ -104,6 +111,11 @@
       </a:defRPr>
     </a:lvl9pPr>
   </p:defaultTextStyle>
+  <p:extLst>
+    <p:ext uri="{EFAFB233-063F-42B5-8137-9DF3F51BA10A}">
+      <p15:sldGuideLst xmlns:p15="http://schemas.microsoft.com/office/powerpoint/2012/main"/>
+    </p:ext>
+  </p:extLst>
 </p:presentation>
 </file>
 
@@ -276,7 +288,7 @@
           <a:p>
             <a:fld id="{D97E1A51-AC4C-4F6B-92F5-A57DC2F1E202}" type="datetimeFigureOut">
               <a:rPr lang="ru-RU" smtClean="0"/>
-              <a:t>09.11.2021</a:t>
+              <a:t>18.11.2021</a:t>
             </a:fld>
             <a:endParaRPr lang="ru-RU"/>
           </a:p>
@@ -606,7 +618,7 @@
           <a:p>
             <a:fld id="{D97E1A51-AC4C-4F6B-92F5-A57DC2F1E202}" type="datetimeFigureOut">
               <a:rPr lang="ru-RU" smtClean="0"/>
-              <a:t>09.11.2021</a:t>
+              <a:t>18.11.2021</a:t>
             </a:fld>
             <a:endParaRPr lang="ru-RU"/>
           </a:p>
@@ -786,7 +798,7 @@
           <a:p>
             <a:fld id="{D97E1A51-AC4C-4F6B-92F5-A57DC2F1E202}" type="datetimeFigureOut">
               <a:rPr lang="ru-RU" smtClean="0"/>
-              <a:t>09.11.2021</a:t>
+              <a:t>18.11.2021</a:t>
             </a:fld>
             <a:endParaRPr lang="ru-RU"/>
           </a:p>
@@ -956,7 +968,7 @@
           <a:p>
             <a:fld id="{D97E1A51-AC4C-4F6B-92F5-A57DC2F1E202}" type="datetimeFigureOut">
               <a:rPr lang="ru-RU" smtClean="0"/>
-              <a:t>09.11.2021</a:t>
+              <a:t>18.11.2021</a:t>
             </a:fld>
             <a:endParaRPr lang="ru-RU"/>
           </a:p>
@@ -1233,7 +1245,7 @@
           <a:p>
             <a:fld id="{D97E1A51-AC4C-4F6B-92F5-A57DC2F1E202}" type="datetimeFigureOut">
               <a:rPr lang="ru-RU" smtClean="0"/>
-              <a:t>09.11.2021</a:t>
+              <a:t>18.11.2021</a:t>
             </a:fld>
             <a:endParaRPr lang="ru-RU"/>
           </a:p>
@@ -1627,7 +1639,7 @@
           <a:p>
             <a:fld id="{D97E1A51-AC4C-4F6B-92F5-A57DC2F1E202}" type="datetimeFigureOut">
               <a:rPr lang="ru-RU" smtClean="0"/>
-              <a:t>09.11.2021</a:t>
+              <a:t>18.11.2021</a:t>
             </a:fld>
             <a:endParaRPr lang="ru-RU"/>
           </a:p>
@@ -2104,7 +2116,7 @@
           <a:p>
             <a:fld id="{D97E1A51-AC4C-4F6B-92F5-A57DC2F1E202}" type="datetimeFigureOut">
               <a:rPr lang="ru-RU" smtClean="0"/>
-              <a:t>09.11.2021</a:t>
+              <a:t>18.11.2021</a:t>
             </a:fld>
             <a:endParaRPr lang="ru-RU"/>
           </a:p>
@@ -2222,7 +2234,7 @@
           <a:p>
             <a:fld id="{D97E1A51-AC4C-4F6B-92F5-A57DC2F1E202}" type="datetimeFigureOut">
               <a:rPr lang="ru-RU" smtClean="0"/>
-              <a:t>09.11.2021</a:t>
+              <a:t>18.11.2021</a:t>
             </a:fld>
             <a:endParaRPr lang="ru-RU"/>
           </a:p>
@@ -2317,7 +2329,7 @@
           <a:p>
             <a:fld id="{D97E1A51-AC4C-4F6B-92F5-A57DC2F1E202}" type="datetimeFigureOut">
               <a:rPr lang="ru-RU" smtClean="0"/>
-              <a:t>09.11.2021</a:t>
+              <a:t>18.11.2021</a:t>
             </a:fld>
             <a:endParaRPr lang="ru-RU"/>
           </a:p>
@@ -2663,7 +2675,7 @@
           <a:p>
             <a:fld id="{D97E1A51-AC4C-4F6B-92F5-A57DC2F1E202}" type="datetimeFigureOut">
               <a:rPr lang="ru-RU" smtClean="0"/>
-              <a:t>09.11.2021</a:t>
+              <a:t>18.11.2021</a:t>
             </a:fld>
             <a:endParaRPr lang="ru-RU"/>
           </a:p>
@@ -3051,7 +3063,7 @@
           <a:p>
             <a:fld id="{D97E1A51-AC4C-4F6B-92F5-A57DC2F1E202}" type="datetimeFigureOut">
               <a:rPr lang="ru-RU" smtClean="0"/>
-              <a:t>09.11.2021</a:t>
+              <a:t>18.11.2021</a:t>
             </a:fld>
             <a:endParaRPr lang="ru-RU"/>
           </a:p>
@@ -3329,7 +3341,7 @@
           <a:p>
             <a:fld id="{D97E1A51-AC4C-4F6B-92F5-A57DC2F1E202}" type="datetimeFigureOut">
               <a:rPr lang="ru-RU" smtClean="0"/>
-              <a:t>09.11.2021</a:t>
+              <a:t>18.11.2021</a:t>
             </a:fld>
             <a:endParaRPr lang="ru-RU"/>
           </a:p>
@@ -3857,7 +3869,12 @@
             <p:ph type="ctrTitle"/>
           </p:nvPr>
         </p:nvSpPr>
-        <p:spPr/>
+        <p:spPr>
+          <a:xfrm>
+            <a:off x="1633775" y="1681840"/>
+            <a:ext cx="8361229" cy="2098226"/>
+          </a:xfrm>
+        </p:spPr>
         <p:txBody>
           <a:bodyPr/>
           <a:lstStyle/>
@@ -3865,7 +3882,7 @@
             <a:pPr algn="l"/>
             <a:r>
               <a:rPr lang="ru-RU" sz="6200" dirty="0"/>
-              <a:t>Инновационный проект «</a:t>
+              <a:t>проект «</a:t>
             </a:r>
             <a:r>
               <a:rPr lang="en-US" sz="6200" dirty="0"/>
@@ -3907,10 +3924,1026 @@
           </a:p>
         </p:txBody>
       </p:sp>
+      <p:pic>
+        <p:nvPicPr>
+          <p:cNvPr id="1026" name="Picture 2" descr="🎌 Эмодзи Скрещенные флаги на Microsoft Windows 8.0">
+            <a:extLst>
+              <a:ext uri="{FF2B5EF4-FFF2-40B4-BE49-F238E27FC236}">
+                <a16:creationId xmlns:a16="http://schemas.microsoft.com/office/drawing/2014/main" id="{902A9DB2-C775-4C9D-B443-3EA6E8188D89}"/>
+              </a:ext>
+            </a:extLst>
+          </p:cNvPr>
+          <p:cNvPicPr>
+            <a:picLocks noChangeAspect="1" noChangeArrowheads="1"/>
+          </p:cNvPicPr>
+          <p:nvPr/>
+        </p:nvPicPr>
+        <p:blipFill>
+          <a:blip r:embed="rId2">
+            <a:extLst>
+              <a:ext uri="{28A0092B-C50C-407E-A947-70E740481C1C}">
+                <a14:useLocalDpi xmlns:a14="http://schemas.microsoft.com/office/drawing/2010/main" val="0"/>
+              </a:ext>
+            </a:extLst>
+          </a:blip>
+          <a:srcRect/>
+          <a:stretch>
+            <a:fillRect/>
+          </a:stretch>
+        </p:blipFill>
+        <p:spPr bwMode="auto">
+          <a:xfrm>
+            <a:off x="8513651" y="3011112"/>
+            <a:ext cx="2207617" cy="2207617"/>
+          </a:xfrm>
+          <a:prstGeom prst="rect">
+            <a:avLst/>
+          </a:prstGeom>
+          <a:noFill/>
+          <a:extLst>
+            <a:ext uri="{909E8E84-426E-40DD-AFC4-6F175D3DCCD1}">
+              <a14:hiddenFill xmlns:a14="http://schemas.microsoft.com/office/drawing/2010/main">
+                <a:solidFill>
+                  <a:srgbClr val="FFFFFF"/>
+                </a:solidFill>
+              </a14:hiddenFill>
+            </a:ext>
+          </a:extLst>
+        </p:spPr>
+      </p:pic>
     </p:spTree>
     <p:extLst>
       <p:ext uri="{BB962C8B-B14F-4D97-AF65-F5344CB8AC3E}">
         <p14:creationId xmlns:p14="http://schemas.microsoft.com/office/powerpoint/2010/main" val="3834309620"/>
+      </p:ext>
+    </p:extLst>
+  </p:cSld>
+  <p:clrMapOvr>
+    <a:masterClrMapping/>
+  </p:clrMapOvr>
+</p:sld>
+</file>
+
+<file path=ppt/slides/slide2.xml><?xml version="1.0" encoding="utf-8"?>
+<p:sld xmlns:a="http://schemas.openxmlformats.org/drawingml/2006/main" xmlns:r="http://schemas.openxmlformats.org/officeDocument/2006/relationships" xmlns:p="http://schemas.openxmlformats.org/presentationml/2006/main">
+  <p:cSld>
+    <p:spTree>
+      <p:nvGrpSpPr>
+        <p:cNvPr id="1" name=""/>
+        <p:cNvGrpSpPr/>
+        <p:nvPr/>
+      </p:nvGrpSpPr>
+      <p:grpSpPr>
+        <a:xfrm>
+          <a:off x="0" y="0"/>
+          <a:ext cx="0" cy="0"/>
+          <a:chOff x="0" y="0"/>
+          <a:chExt cx="0" cy="0"/>
+        </a:xfrm>
+      </p:grpSpPr>
+      <p:sp>
+        <p:nvSpPr>
+          <p:cNvPr id="2" name="Заголовок 1">
+            <a:extLst>
+              <a:ext uri="{FF2B5EF4-FFF2-40B4-BE49-F238E27FC236}">
+                <a16:creationId xmlns:a16="http://schemas.microsoft.com/office/drawing/2014/main" id="{1AFE1130-23A0-400A-B0CA-06E6F9893F60}"/>
+              </a:ext>
+            </a:extLst>
+          </p:cNvPr>
+          <p:cNvSpPr>
+            <a:spLocks noGrp="1"/>
+          </p:cNvSpPr>
+          <p:nvPr>
+            <p:ph type="title"/>
+          </p:nvPr>
+        </p:nvSpPr>
+        <p:spPr/>
+        <p:txBody>
+          <a:bodyPr/>
+          <a:lstStyle/>
+          <a:p>
+            <a:r>
+              <a:rPr lang="ru-RU" dirty="0"/>
+              <a:t>Цель и преимущества программы:</a:t>
+            </a:r>
+          </a:p>
+        </p:txBody>
+      </p:sp>
+      <p:sp>
+        <p:nvSpPr>
+          <p:cNvPr id="3" name="Объект 2">
+            <a:extLst>
+              <a:ext uri="{FF2B5EF4-FFF2-40B4-BE49-F238E27FC236}">
+                <a16:creationId xmlns:a16="http://schemas.microsoft.com/office/drawing/2014/main" id="{F9CC9323-6DF9-48DF-BC3D-CF12AD890C51}"/>
+              </a:ext>
+            </a:extLst>
+          </p:cNvPr>
+          <p:cNvSpPr>
+            <a:spLocks noGrp="1"/>
+          </p:cNvSpPr>
+          <p:nvPr>
+            <p:ph idx="1"/>
+          </p:nvPr>
+        </p:nvSpPr>
+        <p:spPr/>
+        <p:txBody>
+          <a:bodyPr/>
+          <a:lstStyle/>
+          <a:p>
+            <a:r>
+              <a:rPr lang="ru-RU" dirty="0"/>
+              <a:t>Дать возможность людям быстро создавать простые паттерны прямоугольных флагов</a:t>
+            </a:r>
+          </a:p>
+          <a:p>
+            <a:r>
+              <a:rPr lang="ru-RU" dirty="0"/>
+              <a:t>Простая в использовании</a:t>
+            </a:r>
+          </a:p>
+          <a:p>
+            <a:r>
+              <a:rPr lang="ru-RU" dirty="0"/>
+              <a:t>Интуитивно понятный </a:t>
+            </a:r>
+            <a:r>
+              <a:rPr lang="ru-RU" dirty="0" err="1"/>
+              <a:t>интефейс</a:t>
+            </a:r>
+            <a:endParaRPr lang="ru-RU" dirty="0"/>
+          </a:p>
+          <a:p>
+            <a:r>
+              <a:rPr lang="ru-RU" dirty="0"/>
+              <a:t>Минималистичный дизайн программы</a:t>
+            </a:r>
+          </a:p>
+        </p:txBody>
+      </p:sp>
+      <p:pic>
+        <p:nvPicPr>
+          <p:cNvPr id="5" name="Рисунок 4">
+            <a:extLst>
+              <a:ext uri="{FF2B5EF4-FFF2-40B4-BE49-F238E27FC236}">
+                <a16:creationId xmlns:a16="http://schemas.microsoft.com/office/drawing/2014/main" id="{6483CB18-A6B9-4642-98A3-C4F238C8D955}"/>
+              </a:ext>
+            </a:extLst>
+          </p:cNvPr>
+          <p:cNvPicPr>
+            <a:picLocks noChangeAspect="1"/>
+          </p:cNvPicPr>
+          <p:nvPr/>
+        </p:nvPicPr>
+        <p:blipFill rotWithShape="1">
+          <a:blip r:embed="rId2"/>
+          <a:srcRect l="1" t="281" r="9645"/>
+          <a:stretch/>
+        </p:blipFill>
+        <p:spPr>
+          <a:xfrm>
+            <a:off x="6514311" y="2857037"/>
+            <a:ext cx="4458489" cy="3315163"/>
+          </a:xfrm>
+          <a:prstGeom prst="rect">
+            <a:avLst/>
+          </a:prstGeom>
+        </p:spPr>
+      </p:pic>
+    </p:spTree>
+    <p:extLst>
+      <p:ext uri="{BB962C8B-B14F-4D97-AF65-F5344CB8AC3E}">
+        <p14:creationId xmlns:p14="http://schemas.microsoft.com/office/powerpoint/2010/main" val="2017104466"/>
+      </p:ext>
+    </p:extLst>
+  </p:cSld>
+  <p:clrMapOvr>
+    <a:masterClrMapping/>
+  </p:clrMapOvr>
+</p:sld>
+</file>
+
+<file path=ppt/slides/slide3.xml><?xml version="1.0" encoding="utf-8"?>
+<p:sld xmlns:a="http://schemas.openxmlformats.org/drawingml/2006/main" xmlns:r="http://schemas.openxmlformats.org/officeDocument/2006/relationships" xmlns:p="http://schemas.openxmlformats.org/presentationml/2006/main">
+  <p:cSld>
+    <p:spTree>
+      <p:nvGrpSpPr>
+        <p:cNvPr id="1" name=""/>
+        <p:cNvGrpSpPr/>
+        <p:nvPr/>
+      </p:nvGrpSpPr>
+      <p:grpSpPr>
+        <a:xfrm>
+          <a:off x="0" y="0"/>
+          <a:ext cx="0" cy="0"/>
+          <a:chOff x="0" y="0"/>
+          <a:chExt cx="0" cy="0"/>
+        </a:xfrm>
+      </p:grpSpPr>
+      <p:sp>
+        <p:nvSpPr>
+          <p:cNvPr id="2" name="Заголовок 1">
+            <a:extLst>
+              <a:ext uri="{FF2B5EF4-FFF2-40B4-BE49-F238E27FC236}">
+                <a16:creationId xmlns:a16="http://schemas.microsoft.com/office/drawing/2014/main" id="{3A5126D7-727D-4A51-84E7-3CA409246A2B}"/>
+              </a:ext>
+            </a:extLst>
+          </p:cNvPr>
+          <p:cNvSpPr>
+            <a:spLocks noGrp="1"/>
+          </p:cNvSpPr>
+          <p:nvPr>
+            <p:ph type="title"/>
+          </p:nvPr>
+        </p:nvSpPr>
+        <p:spPr/>
+        <p:txBody>
+          <a:bodyPr/>
+          <a:lstStyle/>
+          <a:p>
+            <a:r>
+              <a:rPr lang="ru-RU" dirty="0"/>
+              <a:t>Принцип работы приложения</a:t>
+            </a:r>
+          </a:p>
+        </p:txBody>
+      </p:sp>
+      <p:sp>
+        <p:nvSpPr>
+          <p:cNvPr id="3" name="Объект 2">
+            <a:extLst>
+              <a:ext uri="{FF2B5EF4-FFF2-40B4-BE49-F238E27FC236}">
+                <a16:creationId xmlns:a16="http://schemas.microsoft.com/office/drawing/2014/main" id="{94995753-7450-41D6-9AA5-C9484607614B}"/>
+              </a:ext>
+            </a:extLst>
+          </p:cNvPr>
+          <p:cNvSpPr>
+            <a:spLocks noGrp="1"/>
+          </p:cNvSpPr>
+          <p:nvPr>
+            <p:ph idx="1"/>
+          </p:nvPr>
+        </p:nvSpPr>
+        <p:spPr/>
+        <p:txBody>
+          <a:bodyPr/>
+          <a:lstStyle/>
+          <a:p>
+            <a:pPr marL="0" indent="0">
+              <a:buNone/>
+            </a:pPr>
+            <a:r>
+              <a:rPr lang="ru-RU" dirty="0"/>
+              <a:t>Сначала открывается небольшое окно, в котором надо ввести пропорции и основной цвет флага.</a:t>
+            </a:r>
+          </a:p>
+        </p:txBody>
+      </p:sp>
+      <p:pic>
+        <p:nvPicPr>
+          <p:cNvPr id="5" name="Рисунок 4">
+            <a:extLst>
+              <a:ext uri="{FF2B5EF4-FFF2-40B4-BE49-F238E27FC236}">
+                <a16:creationId xmlns:a16="http://schemas.microsoft.com/office/drawing/2014/main" id="{14FAA482-A996-40D4-B38E-63C611AED64F}"/>
+              </a:ext>
+            </a:extLst>
+          </p:cNvPr>
+          <p:cNvPicPr>
+            <a:picLocks noChangeAspect="1"/>
+          </p:cNvPicPr>
+          <p:nvPr/>
+        </p:nvPicPr>
+        <p:blipFill rotWithShape="1">
+          <a:blip r:embed="rId2"/>
+          <a:srcRect t="2648" r="892"/>
+          <a:stretch/>
+        </p:blipFill>
+        <p:spPr>
+          <a:xfrm>
+            <a:off x="5118991" y="3235568"/>
+            <a:ext cx="4686191" cy="1617785"/>
+          </a:xfrm>
+          <a:prstGeom prst="rect">
+            <a:avLst/>
+          </a:prstGeom>
+        </p:spPr>
+      </p:pic>
+    </p:spTree>
+    <p:extLst>
+      <p:ext uri="{BB962C8B-B14F-4D97-AF65-F5344CB8AC3E}">
+        <p14:creationId xmlns:p14="http://schemas.microsoft.com/office/powerpoint/2010/main" val="2055327232"/>
+      </p:ext>
+    </p:extLst>
+  </p:cSld>
+  <p:clrMapOvr>
+    <a:masterClrMapping/>
+  </p:clrMapOvr>
+</p:sld>
+</file>
+
+<file path=ppt/slides/slide4.xml><?xml version="1.0" encoding="utf-8"?>
+<p:sld xmlns:a="http://schemas.openxmlformats.org/drawingml/2006/main" xmlns:r="http://schemas.openxmlformats.org/officeDocument/2006/relationships" xmlns:p="http://schemas.openxmlformats.org/presentationml/2006/main">
+  <p:cSld>
+    <p:spTree>
+      <p:nvGrpSpPr>
+        <p:cNvPr id="1" name=""/>
+        <p:cNvGrpSpPr/>
+        <p:nvPr/>
+      </p:nvGrpSpPr>
+      <p:grpSpPr>
+        <a:xfrm>
+          <a:off x="0" y="0"/>
+          <a:ext cx="0" cy="0"/>
+          <a:chOff x="0" y="0"/>
+          <a:chExt cx="0" cy="0"/>
+        </a:xfrm>
+      </p:grpSpPr>
+      <p:sp>
+        <p:nvSpPr>
+          <p:cNvPr id="2" name="Заголовок 1">
+            <a:extLst>
+              <a:ext uri="{FF2B5EF4-FFF2-40B4-BE49-F238E27FC236}">
+                <a16:creationId xmlns:a16="http://schemas.microsoft.com/office/drawing/2014/main" id="{76E28091-33DC-4039-8FD5-7414FFE14335}"/>
+              </a:ext>
+            </a:extLst>
+          </p:cNvPr>
+          <p:cNvSpPr>
+            <a:spLocks noGrp="1"/>
+          </p:cNvSpPr>
+          <p:nvPr>
+            <p:ph type="title"/>
+          </p:nvPr>
+        </p:nvSpPr>
+        <p:spPr>
+          <a:xfrm>
+            <a:off x="1371597" y="685800"/>
+            <a:ext cx="9333917" cy="777240"/>
+          </a:xfrm>
+        </p:spPr>
+        <p:txBody>
+          <a:bodyPr>
+            <a:normAutofit/>
+          </a:bodyPr>
+          <a:lstStyle/>
+          <a:p>
+            <a:r>
+              <a:rPr lang="ru-RU" dirty="0"/>
+              <a:t>Основное окно</a:t>
+            </a:r>
+          </a:p>
+        </p:txBody>
+      </p:sp>
+      <p:sp>
+        <p:nvSpPr>
+          <p:cNvPr id="3" name="Объект 2">
+            <a:extLst>
+              <a:ext uri="{FF2B5EF4-FFF2-40B4-BE49-F238E27FC236}">
+                <a16:creationId xmlns:a16="http://schemas.microsoft.com/office/drawing/2014/main" id="{D39E7EEA-239D-4339-8B4A-0FD3EB8EAC9E}"/>
+              </a:ext>
+            </a:extLst>
+          </p:cNvPr>
+          <p:cNvSpPr>
+            <a:spLocks noGrp="1"/>
+          </p:cNvSpPr>
+          <p:nvPr>
+            <p:ph idx="1"/>
+          </p:nvPr>
+        </p:nvSpPr>
+        <p:spPr>
+          <a:xfrm>
+            <a:off x="1371600" y="1814732"/>
+            <a:ext cx="9601200" cy="4052668"/>
+          </a:xfrm>
+        </p:spPr>
+        <p:txBody>
+          <a:bodyPr/>
+          <a:lstStyle/>
+          <a:p>
+            <a:pPr marL="0" indent="0">
+              <a:buNone/>
+            </a:pPr>
+            <a:r>
+              <a:rPr lang="ru-RU" dirty="0"/>
+              <a:t>После корректного ввода всех необходимых данных первое окно закрывается и открывается новый виджет, в котором и будет происходить основная работа с флагом. Здесь вы можете добавить необходимое вам количество линий, их месторасположение, настроить их ориентацию и выбрать цвет.</a:t>
+            </a:r>
+          </a:p>
+        </p:txBody>
+      </p:sp>
+      <p:pic>
+        <p:nvPicPr>
+          <p:cNvPr id="5" name="Рисунок 4">
+            <a:extLst>
+              <a:ext uri="{FF2B5EF4-FFF2-40B4-BE49-F238E27FC236}">
+                <a16:creationId xmlns:a16="http://schemas.microsoft.com/office/drawing/2014/main" id="{79B4ACB8-A1C3-4276-A367-34AD5A45C60B}"/>
+              </a:ext>
+            </a:extLst>
+          </p:cNvPr>
+          <p:cNvPicPr>
+            <a:picLocks noChangeAspect="1"/>
+          </p:cNvPicPr>
+          <p:nvPr/>
+        </p:nvPicPr>
+        <p:blipFill>
+          <a:blip r:embed="rId2"/>
+          <a:stretch>
+            <a:fillRect/>
+          </a:stretch>
+        </p:blipFill>
+        <p:spPr>
+          <a:xfrm>
+            <a:off x="1504299" y="3256670"/>
+            <a:ext cx="4667901" cy="3286584"/>
+          </a:xfrm>
+          <a:prstGeom prst="rect">
+            <a:avLst/>
+          </a:prstGeom>
+        </p:spPr>
+      </p:pic>
+    </p:spTree>
+    <p:extLst>
+      <p:ext uri="{BB962C8B-B14F-4D97-AF65-F5344CB8AC3E}">
+        <p14:creationId xmlns:p14="http://schemas.microsoft.com/office/powerpoint/2010/main" val="1206132162"/>
+      </p:ext>
+    </p:extLst>
+  </p:cSld>
+  <p:clrMapOvr>
+    <a:masterClrMapping/>
+  </p:clrMapOvr>
+</p:sld>
+</file>
+
+<file path=ppt/slides/slide5.xml><?xml version="1.0" encoding="utf-8"?>
+<p:sld xmlns:a="http://schemas.openxmlformats.org/drawingml/2006/main" xmlns:r="http://schemas.openxmlformats.org/officeDocument/2006/relationships" xmlns:p="http://schemas.openxmlformats.org/presentationml/2006/main">
+  <p:cSld>
+    <p:spTree>
+      <p:nvGrpSpPr>
+        <p:cNvPr id="1" name=""/>
+        <p:cNvGrpSpPr/>
+        <p:nvPr/>
+      </p:nvGrpSpPr>
+      <p:grpSpPr>
+        <a:xfrm>
+          <a:off x="0" y="0"/>
+          <a:ext cx="0" cy="0"/>
+          <a:chOff x="0" y="0"/>
+          <a:chExt cx="0" cy="0"/>
+        </a:xfrm>
+      </p:grpSpPr>
+      <p:sp>
+        <p:nvSpPr>
+          <p:cNvPr id="2" name="Заголовок 1">
+            <a:extLst>
+              <a:ext uri="{FF2B5EF4-FFF2-40B4-BE49-F238E27FC236}">
+                <a16:creationId xmlns:a16="http://schemas.microsoft.com/office/drawing/2014/main" id="{B1814CB8-ADCF-42FB-9092-2BAA3A42E81E}"/>
+              </a:ext>
+            </a:extLst>
+          </p:cNvPr>
+          <p:cNvSpPr>
+            <a:spLocks noGrp="1"/>
+          </p:cNvSpPr>
+          <p:nvPr>
+            <p:ph type="title"/>
+          </p:nvPr>
+        </p:nvSpPr>
+        <p:spPr/>
+        <p:txBody>
+          <a:bodyPr/>
+          <a:lstStyle/>
+          <a:p>
+            <a:r>
+              <a:rPr lang="ru-RU" dirty="0"/>
+              <a:t>Работа программы изнутри</a:t>
+            </a:r>
+          </a:p>
+        </p:txBody>
+      </p:sp>
+      <p:sp>
+        <p:nvSpPr>
+          <p:cNvPr id="3" name="Объект 2">
+            <a:extLst>
+              <a:ext uri="{FF2B5EF4-FFF2-40B4-BE49-F238E27FC236}">
+                <a16:creationId xmlns:a16="http://schemas.microsoft.com/office/drawing/2014/main" id="{34DF0B3B-039F-439B-BF31-61CDE899F0E9}"/>
+              </a:ext>
+            </a:extLst>
+          </p:cNvPr>
+          <p:cNvSpPr>
+            <a:spLocks noGrp="1"/>
+          </p:cNvSpPr>
+          <p:nvPr>
+            <p:ph idx="1"/>
+          </p:nvPr>
+        </p:nvSpPr>
+        <p:spPr/>
+        <p:txBody>
+          <a:bodyPr/>
+          <a:lstStyle/>
+          <a:p>
+            <a:pPr marL="0" indent="0">
+              <a:buNone/>
+            </a:pPr>
+            <a:r>
+              <a:rPr lang="ru-RU" dirty="0"/>
+              <a:t>Работа основного окна с флагом обеспечивается классом </a:t>
+            </a:r>
+            <a:r>
+              <a:rPr lang="en-US" dirty="0" err="1"/>
+              <a:t>FlagWidget</a:t>
+            </a:r>
+            <a:r>
+              <a:rPr lang="en-US" dirty="0"/>
+              <a:t>.</a:t>
+            </a:r>
+            <a:r>
+              <a:rPr lang="ru-RU" dirty="0"/>
+              <a:t> Класс является дочерним от класса </a:t>
+            </a:r>
+            <a:r>
+              <a:rPr lang="en-US" dirty="0" err="1"/>
+              <a:t>Flag_Form</a:t>
+            </a:r>
+            <a:r>
+              <a:rPr lang="ru-RU" dirty="0"/>
+              <a:t> (класса с дизайном окна)</a:t>
+            </a:r>
+            <a:r>
+              <a:rPr lang="en-US" dirty="0"/>
+              <a:t> </a:t>
+            </a:r>
+            <a:r>
+              <a:rPr lang="ru-RU" dirty="0"/>
+              <a:t>и вызывается из класса </a:t>
+            </a:r>
+            <a:r>
+              <a:rPr lang="en-US" dirty="0" err="1"/>
+              <a:t>MainWindow</a:t>
+            </a:r>
+            <a:r>
+              <a:rPr lang="ru-RU" dirty="0"/>
+              <a:t> </a:t>
+            </a:r>
+            <a:r>
+              <a:rPr lang="en-US" dirty="0"/>
+              <a:t>(</a:t>
+            </a:r>
+            <a:r>
+              <a:rPr lang="ru-RU" dirty="0"/>
+              <a:t>класса первого окна).</a:t>
+            </a:r>
+          </a:p>
+        </p:txBody>
+      </p:sp>
+      <p:pic>
+        <p:nvPicPr>
+          <p:cNvPr id="7" name="Рисунок 6">
+            <a:extLst>
+              <a:ext uri="{FF2B5EF4-FFF2-40B4-BE49-F238E27FC236}">
+                <a16:creationId xmlns:a16="http://schemas.microsoft.com/office/drawing/2014/main" id="{857A4364-E777-42A4-B98E-676E24082643}"/>
+              </a:ext>
+            </a:extLst>
+          </p:cNvPr>
+          <p:cNvPicPr>
+            <a:picLocks noChangeAspect="1"/>
+          </p:cNvPicPr>
+          <p:nvPr/>
+        </p:nvPicPr>
+        <p:blipFill>
+          <a:blip r:embed="rId2"/>
+          <a:stretch>
+            <a:fillRect/>
+          </a:stretch>
+        </p:blipFill>
+        <p:spPr>
+          <a:xfrm>
+            <a:off x="6696547" y="3201629"/>
+            <a:ext cx="4791744" cy="3391373"/>
+          </a:xfrm>
+          <a:prstGeom prst="rect">
+            <a:avLst/>
+          </a:prstGeom>
+        </p:spPr>
+      </p:pic>
+    </p:spTree>
+    <p:extLst>
+      <p:ext uri="{BB962C8B-B14F-4D97-AF65-F5344CB8AC3E}">
+        <p14:creationId xmlns:p14="http://schemas.microsoft.com/office/powerpoint/2010/main" val="1930011317"/>
+      </p:ext>
+    </p:extLst>
+  </p:cSld>
+  <p:clrMapOvr>
+    <a:masterClrMapping/>
+  </p:clrMapOvr>
+</p:sld>
+</file>
+
+<file path=ppt/slides/slide6.xml><?xml version="1.0" encoding="utf-8"?>
+<p:sld xmlns:a="http://schemas.openxmlformats.org/drawingml/2006/main" xmlns:r="http://schemas.openxmlformats.org/officeDocument/2006/relationships" xmlns:p="http://schemas.openxmlformats.org/presentationml/2006/main">
+  <p:cSld>
+    <p:spTree>
+      <p:nvGrpSpPr>
+        <p:cNvPr id="1" name=""/>
+        <p:cNvGrpSpPr/>
+        <p:nvPr/>
+      </p:nvGrpSpPr>
+      <p:grpSpPr>
+        <a:xfrm>
+          <a:off x="0" y="0"/>
+          <a:ext cx="0" cy="0"/>
+          <a:chOff x="0" y="0"/>
+          <a:chExt cx="0" cy="0"/>
+        </a:xfrm>
+      </p:grpSpPr>
+      <p:sp>
+        <p:nvSpPr>
+          <p:cNvPr id="2" name="Заголовок 1">
+            <a:extLst>
+              <a:ext uri="{FF2B5EF4-FFF2-40B4-BE49-F238E27FC236}">
+                <a16:creationId xmlns:a16="http://schemas.microsoft.com/office/drawing/2014/main" id="{880BB5F8-80BC-4F80-AF1C-DA2E1757F854}"/>
+              </a:ext>
+            </a:extLst>
+          </p:cNvPr>
+          <p:cNvSpPr>
+            <a:spLocks noGrp="1"/>
+          </p:cNvSpPr>
+          <p:nvPr>
+            <p:ph type="title"/>
+          </p:nvPr>
+        </p:nvSpPr>
+        <p:spPr/>
+        <p:txBody>
+          <a:bodyPr/>
+          <a:lstStyle/>
+          <a:p>
+            <a:r>
+              <a:rPr lang="ru-RU" dirty="0"/>
+              <a:t>Работа программы изнутри</a:t>
+            </a:r>
+          </a:p>
+        </p:txBody>
+      </p:sp>
+      <p:sp>
+        <p:nvSpPr>
+          <p:cNvPr id="3" name="Объект 2">
+            <a:extLst>
+              <a:ext uri="{FF2B5EF4-FFF2-40B4-BE49-F238E27FC236}">
+                <a16:creationId xmlns:a16="http://schemas.microsoft.com/office/drawing/2014/main" id="{70995027-2919-41A0-8ADC-5479E9FC7616}"/>
+              </a:ext>
+            </a:extLst>
+          </p:cNvPr>
+          <p:cNvSpPr>
+            <a:spLocks noGrp="1"/>
+          </p:cNvSpPr>
+          <p:nvPr>
+            <p:ph idx="1"/>
+          </p:nvPr>
+        </p:nvSpPr>
+        <p:spPr/>
+        <p:txBody>
+          <a:bodyPr/>
+          <a:lstStyle/>
+          <a:p>
+            <a:pPr marL="0" indent="0">
+              <a:buNone/>
+            </a:pPr>
+            <a:r>
+              <a:rPr lang="ru-RU" dirty="0"/>
+              <a:t>Рисование происходит за счет библиотеки </a:t>
+            </a:r>
+            <a:r>
+              <a:rPr lang="en-US" dirty="0" err="1"/>
+              <a:t>QPainter</a:t>
+            </a:r>
+            <a:r>
+              <a:rPr lang="ru-RU" dirty="0"/>
+              <a:t> и функций </a:t>
+            </a:r>
+            <a:r>
+              <a:rPr lang="en-US" dirty="0" err="1"/>
+              <a:t>paintEvent</a:t>
+            </a:r>
+            <a:r>
+              <a:rPr lang="en-US" dirty="0"/>
+              <a:t>, </a:t>
+            </a:r>
+            <a:r>
+              <a:rPr lang="en-US" dirty="0" err="1"/>
+              <a:t>draw_string_gor</a:t>
+            </a:r>
+            <a:r>
+              <a:rPr lang="en-US" dirty="0"/>
+              <a:t>, </a:t>
+            </a:r>
+            <a:r>
+              <a:rPr lang="en-US" dirty="0" err="1"/>
+              <a:t>draw_string_ver</a:t>
+            </a:r>
+            <a:r>
+              <a:rPr lang="en-US" dirty="0"/>
+              <a:t>.</a:t>
+            </a:r>
+            <a:endParaRPr lang="ru-RU" dirty="0"/>
+          </a:p>
+        </p:txBody>
+      </p:sp>
+      <p:pic>
+        <p:nvPicPr>
+          <p:cNvPr id="5" name="Рисунок 4">
+            <a:extLst>
+              <a:ext uri="{FF2B5EF4-FFF2-40B4-BE49-F238E27FC236}">
+                <a16:creationId xmlns:a16="http://schemas.microsoft.com/office/drawing/2014/main" id="{40E85C7B-7852-487E-800F-B1E6DF664CA2}"/>
+              </a:ext>
+            </a:extLst>
+          </p:cNvPr>
+          <p:cNvPicPr>
+            <a:picLocks noChangeAspect="1"/>
+          </p:cNvPicPr>
+          <p:nvPr/>
+        </p:nvPicPr>
+        <p:blipFill>
+          <a:blip r:embed="rId2"/>
+          <a:stretch>
+            <a:fillRect/>
+          </a:stretch>
+        </p:blipFill>
+        <p:spPr>
+          <a:xfrm>
+            <a:off x="1371600" y="3152354"/>
+            <a:ext cx="6906589" cy="3019846"/>
+          </a:xfrm>
+          <a:prstGeom prst="rect">
+            <a:avLst/>
+          </a:prstGeom>
+        </p:spPr>
+      </p:pic>
+    </p:spTree>
+    <p:extLst>
+      <p:ext uri="{BB962C8B-B14F-4D97-AF65-F5344CB8AC3E}">
+        <p14:creationId xmlns:p14="http://schemas.microsoft.com/office/powerpoint/2010/main" val="3478306742"/>
+      </p:ext>
+    </p:extLst>
+  </p:cSld>
+  <p:clrMapOvr>
+    <a:masterClrMapping/>
+  </p:clrMapOvr>
+</p:sld>
+</file>
+
+<file path=ppt/slides/slide7.xml><?xml version="1.0" encoding="utf-8"?>
+<p:sld xmlns:a="http://schemas.openxmlformats.org/drawingml/2006/main" xmlns:r="http://schemas.openxmlformats.org/officeDocument/2006/relationships" xmlns:p="http://schemas.openxmlformats.org/presentationml/2006/main">
+  <p:cSld>
+    <p:spTree>
+      <p:nvGrpSpPr>
+        <p:cNvPr id="1" name=""/>
+        <p:cNvGrpSpPr/>
+        <p:nvPr/>
+      </p:nvGrpSpPr>
+      <p:grpSpPr>
+        <a:xfrm>
+          <a:off x="0" y="0"/>
+          <a:ext cx="0" cy="0"/>
+          <a:chOff x="0" y="0"/>
+          <a:chExt cx="0" cy="0"/>
+        </a:xfrm>
+      </p:grpSpPr>
+      <p:sp>
+        <p:nvSpPr>
+          <p:cNvPr id="2" name="Заголовок 1">
+            <a:extLst>
+              <a:ext uri="{FF2B5EF4-FFF2-40B4-BE49-F238E27FC236}">
+                <a16:creationId xmlns:a16="http://schemas.microsoft.com/office/drawing/2014/main" id="{FB127CD6-0D6F-4F40-9DFD-6E9E8759A4B3}"/>
+              </a:ext>
+            </a:extLst>
+          </p:cNvPr>
+          <p:cNvSpPr>
+            <a:spLocks noGrp="1"/>
+          </p:cNvSpPr>
+          <p:nvPr>
+            <p:ph type="title"/>
+          </p:nvPr>
+        </p:nvSpPr>
+        <p:spPr/>
+        <p:txBody>
+          <a:bodyPr/>
+          <a:lstStyle/>
+          <a:p>
+            <a:r>
+              <a:rPr lang="ru-RU" dirty="0"/>
+              <a:t>Работа программы изнутри</a:t>
+            </a:r>
+          </a:p>
+        </p:txBody>
+      </p:sp>
+      <p:sp>
+        <p:nvSpPr>
+          <p:cNvPr id="3" name="Объект 2">
+            <a:extLst>
+              <a:ext uri="{FF2B5EF4-FFF2-40B4-BE49-F238E27FC236}">
+                <a16:creationId xmlns:a16="http://schemas.microsoft.com/office/drawing/2014/main" id="{4884F01B-3C64-4C6C-92AB-FAD4C067BD96}"/>
+              </a:ext>
+            </a:extLst>
+          </p:cNvPr>
+          <p:cNvSpPr>
+            <a:spLocks noGrp="1"/>
+          </p:cNvSpPr>
+          <p:nvPr>
+            <p:ph idx="1"/>
+          </p:nvPr>
+        </p:nvSpPr>
+        <p:spPr/>
+        <p:txBody>
+          <a:bodyPr/>
+          <a:lstStyle/>
+          <a:p>
+            <a:pPr marL="0" indent="0">
+              <a:buNone/>
+            </a:pPr>
+            <a:r>
+              <a:rPr lang="ru-RU" dirty="0"/>
+              <a:t>Чтобы при создании новых полос предыдущие не стирались я их добавляют в 2 списка: </a:t>
+            </a:r>
+            <a:r>
+              <a:rPr lang="en-US" dirty="0" err="1"/>
+              <a:t>self.lst</a:t>
+            </a:r>
+            <a:r>
+              <a:rPr lang="ru-RU" dirty="0"/>
+              <a:t> </a:t>
+            </a:r>
+            <a:r>
+              <a:rPr lang="en-US" dirty="0"/>
+              <a:t>(</a:t>
+            </a:r>
+            <a:r>
+              <a:rPr lang="ru-RU" dirty="0"/>
+              <a:t>хранятся геометрические данные полосы)</a:t>
+            </a:r>
+            <a:r>
+              <a:rPr lang="en-US" dirty="0"/>
+              <a:t> </a:t>
+            </a:r>
+            <a:r>
+              <a:rPr lang="ru-RU" dirty="0"/>
+              <a:t>и </a:t>
+            </a:r>
+            <a:r>
+              <a:rPr lang="en-US" dirty="0" err="1"/>
+              <a:t>self.lst_col</a:t>
+            </a:r>
+            <a:r>
+              <a:rPr lang="ru-RU" dirty="0"/>
+              <a:t> (хранятся цветовые данные полосы). При срабатывании события </a:t>
+            </a:r>
+            <a:r>
+              <a:rPr lang="en-US" dirty="0"/>
+              <a:t>event </a:t>
+            </a:r>
+            <a:r>
+              <a:rPr lang="ru-RU" dirty="0"/>
+              <a:t>рисуются полосы на флаге, опираясь на данные списков. Однако у этого есть серьезный минус – возможная сильная нагрузка программы.</a:t>
+            </a:r>
+          </a:p>
+        </p:txBody>
+      </p:sp>
+      <p:pic>
+        <p:nvPicPr>
+          <p:cNvPr id="5" name="Рисунок 4">
+            <a:extLst>
+              <a:ext uri="{FF2B5EF4-FFF2-40B4-BE49-F238E27FC236}">
+                <a16:creationId xmlns:a16="http://schemas.microsoft.com/office/drawing/2014/main" id="{29635CE0-0D4F-4E6E-A649-003D986EF88A}"/>
+              </a:ext>
+            </a:extLst>
+          </p:cNvPr>
+          <p:cNvPicPr>
+            <a:picLocks noChangeAspect="1"/>
+          </p:cNvPicPr>
+          <p:nvPr/>
+        </p:nvPicPr>
+        <p:blipFill>
+          <a:blip r:embed="rId2"/>
+          <a:stretch>
+            <a:fillRect/>
+          </a:stretch>
+        </p:blipFill>
+        <p:spPr>
+          <a:xfrm>
+            <a:off x="1638886" y="4076434"/>
+            <a:ext cx="6487430" cy="1905266"/>
+          </a:xfrm>
+          <a:prstGeom prst="rect">
+            <a:avLst/>
+          </a:prstGeom>
+        </p:spPr>
+      </p:pic>
+    </p:spTree>
+    <p:extLst>
+      <p:ext uri="{BB962C8B-B14F-4D97-AF65-F5344CB8AC3E}">
+        <p14:creationId xmlns:p14="http://schemas.microsoft.com/office/powerpoint/2010/main" val="998998865"/>
+      </p:ext>
+    </p:extLst>
+  </p:cSld>
+  <p:clrMapOvr>
+    <a:masterClrMapping/>
+  </p:clrMapOvr>
+</p:sld>
+</file>
+
+<file path=ppt/slides/slide8.xml><?xml version="1.0" encoding="utf-8"?>
+<p:sld xmlns:a="http://schemas.openxmlformats.org/drawingml/2006/main" xmlns:r="http://schemas.openxmlformats.org/officeDocument/2006/relationships" xmlns:p="http://schemas.openxmlformats.org/presentationml/2006/main">
+  <p:cSld>
+    <p:spTree>
+      <p:nvGrpSpPr>
+        <p:cNvPr id="1" name=""/>
+        <p:cNvGrpSpPr/>
+        <p:nvPr/>
+      </p:nvGrpSpPr>
+      <p:grpSpPr>
+        <a:xfrm>
+          <a:off x="0" y="0"/>
+          <a:ext cx="0" cy="0"/>
+          <a:chOff x="0" y="0"/>
+          <a:chExt cx="0" cy="0"/>
+        </a:xfrm>
+      </p:grpSpPr>
+      <p:sp>
+        <p:nvSpPr>
+          <p:cNvPr id="2" name="Заголовок 1">
+            <a:extLst>
+              <a:ext uri="{FF2B5EF4-FFF2-40B4-BE49-F238E27FC236}">
+                <a16:creationId xmlns:a16="http://schemas.microsoft.com/office/drawing/2014/main" id="{63C08F2C-A7D0-4786-A69F-E899AA08CC07}"/>
+              </a:ext>
+            </a:extLst>
+          </p:cNvPr>
+          <p:cNvSpPr>
+            <a:spLocks noGrp="1"/>
+          </p:cNvSpPr>
+          <p:nvPr>
+            <p:ph type="title"/>
+          </p:nvPr>
+        </p:nvSpPr>
+        <p:spPr/>
+        <p:txBody>
+          <a:bodyPr/>
+          <a:lstStyle/>
+          <a:p>
+            <a:r>
+              <a:rPr lang="ru-RU" dirty="0"/>
+              <a:t>Перспективы дальнейшего развития приложения</a:t>
+            </a:r>
+          </a:p>
+        </p:txBody>
+      </p:sp>
+      <p:sp>
+        <p:nvSpPr>
+          <p:cNvPr id="3" name="Объект 2">
+            <a:extLst>
+              <a:ext uri="{FF2B5EF4-FFF2-40B4-BE49-F238E27FC236}">
+                <a16:creationId xmlns:a16="http://schemas.microsoft.com/office/drawing/2014/main" id="{1F52E85E-4236-4F3A-AAED-61F4B310103B}"/>
+              </a:ext>
+            </a:extLst>
+          </p:cNvPr>
+          <p:cNvSpPr>
+            <a:spLocks noGrp="1"/>
+          </p:cNvSpPr>
+          <p:nvPr>
+            <p:ph idx="1"/>
+          </p:nvPr>
+        </p:nvSpPr>
+        <p:spPr/>
+        <p:txBody>
+          <a:bodyPr/>
+          <a:lstStyle/>
+          <a:p>
+            <a:r>
+              <a:rPr lang="ru-RU" dirty="0"/>
+              <a:t>Переход на другую библиотеку с возможностями рисования для </a:t>
+            </a:r>
+            <a:r>
+              <a:rPr lang="en-US" dirty="0"/>
+              <a:t>PyQt5</a:t>
+            </a:r>
+          </a:p>
+          <a:p>
+            <a:r>
+              <a:rPr lang="ru-RU" dirty="0"/>
+              <a:t>Оптимизация приложения</a:t>
+            </a:r>
+          </a:p>
+          <a:p>
+            <a:r>
+              <a:rPr lang="ru-RU" dirty="0"/>
+              <a:t>Добавление новых функций</a:t>
+            </a:r>
+          </a:p>
+          <a:p>
+            <a:r>
+              <a:rPr lang="ru-RU" dirty="0"/>
+              <a:t>Изменение дизайна</a:t>
+            </a:r>
+          </a:p>
+        </p:txBody>
+      </p:sp>
+    </p:spTree>
+    <p:extLst>
+      <p:ext uri="{BB962C8B-B14F-4D97-AF65-F5344CB8AC3E}">
+        <p14:creationId xmlns:p14="http://schemas.microsoft.com/office/powerpoint/2010/main" val="1807829673"/>
       </p:ext>
     </p:extLst>
   </p:cSld>
